--- a/Presentation_project1.pptx
+++ b/Presentation_project1.pptx
@@ -270,7 +270,7 @@
           <a:p>
             <a:fld id="{5ADCAF40-A17B-4AB4-99A9-34899C3DDED5}" type="datetimeFigureOut">
               <a:rPr lang="en-US" smtClean="0"/>
-              <a:t>6/14/2021</a:t>
+              <a:t>6/15/2021</a:t>
             </a:fld>
             <a:endParaRPr lang="en-US"/>
           </a:p>
@@ -468,7 +468,7 @@
           <a:p>
             <a:fld id="{5ADCAF40-A17B-4AB4-99A9-34899C3DDED5}" type="datetimeFigureOut">
               <a:rPr lang="en-US" smtClean="0"/>
-              <a:t>6/14/2021</a:t>
+              <a:t>6/15/2021</a:t>
             </a:fld>
             <a:endParaRPr lang="en-US"/>
           </a:p>
@@ -676,7 +676,7 @@
           <a:p>
             <a:fld id="{5ADCAF40-A17B-4AB4-99A9-34899C3DDED5}" type="datetimeFigureOut">
               <a:rPr lang="en-US" smtClean="0"/>
-              <a:t>6/14/2021</a:t>
+              <a:t>6/15/2021</a:t>
             </a:fld>
             <a:endParaRPr lang="en-US"/>
           </a:p>
@@ -874,7 +874,7 @@
           <a:p>
             <a:fld id="{5ADCAF40-A17B-4AB4-99A9-34899C3DDED5}" type="datetimeFigureOut">
               <a:rPr lang="en-US" smtClean="0"/>
-              <a:t>6/14/2021</a:t>
+              <a:t>6/15/2021</a:t>
             </a:fld>
             <a:endParaRPr lang="en-US"/>
           </a:p>
@@ -1149,7 +1149,7 @@
           <a:p>
             <a:fld id="{5ADCAF40-A17B-4AB4-99A9-34899C3DDED5}" type="datetimeFigureOut">
               <a:rPr lang="en-US" smtClean="0"/>
-              <a:t>6/14/2021</a:t>
+              <a:t>6/15/2021</a:t>
             </a:fld>
             <a:endParaRPr lang="en-US"/>
           </a:p>
@@ -1414,7 +1414,7 @@
           <a:p>
             <a:fld id="{5ADCAF40-A17B-4AB4-99A9-34899C3DDED5}" type="datetimeFigureOut">
               <a:rPr lang="en-US" smtClean="0"/>
-              <a:t>6/14/2021</a:t>
+              <a:t>6/15/2021</a:t>
             </a:fld>
             <a:endParaRPr lang="en-US"/>
           </a:p>
@@ -1826,7 +1826,7 @@
           <a:p>
             <a:fld id="{5ADCAF40-A17B-4AB4-99A9-34899C3DDED5}" type="datetimeFigureOut">
               <a:rPr lang="en-US" smtClean="0"/>
-              <a:t>6/14/2021</a:t>
+              <a:t>6/15/2021</a:t>
             </a:fld>
             <a:endParaRPr lang="en-US"/>
           </a:p>
@@ -1967,7 +1967,7 @@
           <a:p>
             <a:fld id="{5ADCAF40-A17B-4AB4-99A9-34899C3DDED5}" type="datetimeFigureOut">
               <a:rPr lang="en-US" smtClean="0"/>
-              <a:t>6/14/2021</a:t>
+              <a:t>6/15/2021</a:t>
             </a:fld>
             <a:endParaRPr lang="en-US"/>
           </a:p>
@@ -2080,7 +2080,7 @@
           <a:p>
             <a:fld id="{5ADCAF40-A17B-4AB4-99A9-34899C3DDED5}" type="datetimeFigureOut">
               <a:rPr lang="en-US" smtClean="0"/>
-              <a:t>6/14/2021</a:t>
+              <a:t>6/15/2021</a:t>
             </a:fld>
             <a:endParaRPr lang="en-US"/>
           </a:p>
@@ -2391,7 +2391,7 @@
           <a:p>
             <a:fld id="{5ADCAF40-A17B-4AB4-99A9-34899C3DDED5}" type="datetimeFigureOut">
               <a:rPr lang="en-US" smtClean="0"/>
-              <a:t>6/14/2021</a:t>
+              <a:t>6/15/2021</a:t>
             </a:fld>
             <a:endParaRPr lang="en-US"/>
           </a:p>
@@ -2679,7 +2679,7 @@
           <a:p>
             <a:fld id="{5ADCAF40-A17B-4AB4-99A9-34899C3DDED5}" type="datetimeFigureOut">
               <a:rPr lang="en-US" smtClean="0"/>
-              <a:t>6/14/2021</a:t>
+              <a:t>6/15/2021</a:t>
             </a:fld>
             <a:endParaRPr lang="en-US"/>
           </a:p>
@@ -2920,7 +2920,7 @@
           <a:p>
             <a:fld id="{5ADCAF40-A17B-4AB4-99A9-34899C3DDED5}" type="datetimeFigureOut">
               <a:rPr lang="en-US" smtClean="0"/>
-              <a:t>6/14/2021</a:t>
+              <a:t>6/15/2021</a:t>
             </a:fld>
             <a:endParaRPr lang="en-US"/>
           </a:p>
@@ -3668,7 +3668,7 @@
           <a:p>
             <a:r>
               <a:rPr lang="en-US" sz="2400" dirty="0"/>
-              <a:t>Answer to Q3: Biography, Animation, Drama, Sci-Fi, and Adventure are top five for the rating</a:t>
+              <a:t>Answer to Q3: Biography, Animation, Drama, Sci-Fi, and Adventure are top five for the ratings</a:t>
             </a:r>
           </a:p>
         </p:txBody>
@@ -3750,11 +3750,13 @@
         </p:nvSpPr>
         <p:spPr/>
         <p:txBody>
-          <a:bodyPr/>
-          <a:lstStyle/>
-          <a:p>
-            <a:r>
-              <a:rPr lang="en-US" dirty="0">
+          <a:bodyPr>
+            <a:normAutofit/>
+          </a:bodyPr>
+          <a:lstStyle/>
+          <a:p>
+            <a:r>
+              <a:rPr lang="en-US" sz="3200" dirty="0">
                 <a:solidFill>
                   <a:srgbClr val="000000"/>
                 </a:solidFill>
@@ -3763,16 +3765,35 @@
               <a:t>Based on r</a:t>
             </a:r>
             <a:r>
-              <a:rPr lang="en-US" i="0" dirty="0">
+              <a:rPr lang="en-US" sz="3200" i="0" dirty="0">
                 <a:solidFill>
                   <a:srgbClr val="000000"/>
                 </a:solidFill>
                 <a:effectLst/>
                 <a:cs typeface="Latha" panose="020B0502040204020203" pitchFamily="34" charset="0"/>
               </a:rPr>
-              <a:t>ating and box office data, adventure and action should be invested in the newly found Microsoft studio</a:t>
-            </a:r>
-            <a:endParaRPr lang="en-US" dirty="0">
+              <a:t>ating and box office data, adventure and action should be </a:t>
+            </a:r>
+            <a:r>
+              <a:rPr lang="en-US" sz="3200" dirty="0">
+                <a:solidFill>
+                  <a:srgbClr val="000000"/>
+                </a:solidFill>
+                <a:cs typeface="Latha" panose="020B0502040204020203" pitchFamily="34" charset="0"/>
+              </a:rPr>
+              <a:t>the focus</a:t>
+            </a:r>
+            <a:r>
+              <a:rPr lang="en-US" sz="3200" i="0" dirty="0">
+                <a:solidFill>
+                  <a:srgbClr val="000000"/>
+                </a:solidFill>
+                <a:effectLst/>
+                <a:cs typeface="Latha" panose="020B0502040204020203" pitchFamily="34" charset="0"/>
+              </a:rPr>
+              <a:t> in the newly found Microsoft studio</a:t>
+            </a:r>
+            <a:endParaRPr lang="en-US" sz="3200" dirty="0">
               <a:cs typeface="Latha" panose="020B0502040204020203" pitchFamily="34" charset="0"/>
             </a:endParaRPr>
           </a:p>
@@ -4305,7 +4326,7 @@
             </a:pPr>
             <a:r>
               <a:rPr lang="en-US" dirty="0"/>
-              <a:t>From mean: similar patterns as for sum values: domestic market is stable, but foreign gross has an increased trend, which contributes the increased trend in worldwide</a:t>
+              <a:t>From mean: similar patterns as for sum values, i.e., domestic market is stable, but foreign gross has an increased trend, which contributes to the increased trend in worldwide</a:t>
             </a:r>
           </a:p>
         </p:txBody>
@@ -4698,7 +4719,15 @@
           <a:p>
             <a:r>
               <a:rPr lang="en-US" dirty="0"/>
-              <a:t>Two summarized figures:</a:t>
+              <a:t>T</a:t>
+            </a:r>
+            <a:r>
+              <a:rPr lang="en-US" altLang="zh-CN" dirty="0"/>
+              <a:t>hree</a:t>
+            </a:r>
+            <a:r>
+              <a:rPr lang="en-US" dirty="0"/>
+              <a:t> summarized figures:</a:t>
             </a:r>
           </a:p>
           <a:p>
@@ -4725,7 +4754,7 @@
             </a:pPr>
             <a:r>
               <a:rPr lang="en-US" dirty="0"/>
-              <a:t>Mean of worldwide profit for selected genres</a:t>
+              <a:t>Mean of worldwide profit per film for selected genres</a:t>
             </a:r>
           </a:p>
           <a:p>
@@ -4836,7 +4865,7 @@
                 </a:solidFill>
                 <a:effectLst/>
               </a:rPr>
-              <a:t> Drama, Comedy, Action, Adventure are the top four categories in terms of number of movies</a:t>
+              <a:t>Drama, Comedy, Action, Adventure are the top four categories in terms of number of movies released</a:t>
             </a:r>
             <a:endParaRPr lang="en-US" sz="2400" dirty="0"/>
           </a:p>
@@ -5181,13 +5210,13 @@
             </a:r>
             <a:r>
               <a:rPr lang="en-US" dirty="0"/>
-              <a:t> and the one prepared in Q2</a:t>
+              <a:t> and the one generated in Q2</a:t>
             </a:r>
           </a:p>
           <a:p>
             <a:r>
               <a:rPr lang="en-US" dirty="0"/>
-              <a:t>Two summarized figures:</a:t>
+              <a:t>Three summarized figures:</a:t>
             </a:r>
           </a:p>
           <a:p>
@@ -5214,7 +5243,7 @@
             </a:pPr>
             <a:r>
               <a:rPr lang="en-US" dirty="0"/>
-              <a:t>Overall mean of mean rating across 2010 to 2019</a:t>
+              <a:t>Overall mean of mean rating for all genres across 2010 to 2019</a:t>
             </a:r>
           </a:p>
           <a:p>
